--- a/2021-04-12to04-16 (A5) C53517 SoftMARS/21_06v01_MarsBaseAlpha_PreliminaryFindings.pptx
+++ b/2021-04-12to04-16 (A5) C53517 SoftMARS/21_06v01_MarsBaseAlpha_PreliminaryFindings.pptx
@@ -270,7 +270,7 @@
           <a:p>
             <a:fld id="{F319E496-E8FF-4856-B08F-DBE14D18B236}" type="datetimeFigureOut">
               <a:rPr lang="en-US" smtClean="0"/>
-              <a:t>4/16/2021</a:t>
+              <a:t>4/22/2021</a:t>
             </a:fld>
             <a:endParaRPr lang="en-US"/>
           </a:p>
@@ -447,7 +447,7 @@
           <a:p>
             <a:fld id="{4572F63B-EF0F-9942-98B2-F67CC88AF236}" type="datetimeFigureOut">
               <a:rPr lang="en-US" smtClean="0"/>
-              <a:t>4/16/2021</a:t>
+              <a:t>4/22/2021</a:t>
             </a:fld>
             <a:endParaRPr lang="en-US"/>
           </a:p>
@@ -1580,7 +1580,7 @@
               </a14:hiddenLine>
             </a:ext>
             <a:ext uri="{FAA26D3D-D897-4be2-8F04-BA451C77F1D7}">
-              <ma14:placeholderFlag xmlns="" xmlns:ma14="http://schemas.microsoft.com/office/mac/drawingml/2011/main" val="1"/>
+              <ma14:placeholderFlag xmlns:ma14="http://schemas.microsoft.com/office/mac/drawingml/2011/main" xmlns="" val="1"/>
             </a:ext>
           </a:extLst>
         </p:spPr>
@@ -3940,14 +3940,14 @@
           </a:ln>
           <a:extLst>
             <a:ext uri="{909E8E84-426E-40dd-AFC4-6F175D3DCCD1}">
-              <a14:hiddenFill xmlns="" xmlns:a14="http://schemas.microsoft.com/office/drawing/2010/main">
+              <a14:hiddenFill xmlns:a14="http://schemas.microsoft.com/office/drawing/2010/main" xmlns="">
                 <a:solidFill>
                   <a:schemeClr val="accent1"/>
                 </a:solidFill>
               </a14:hiddenFill>
             </a:ext>
             <a:ext uri="{91240B29-F687-4f45-9708-019B960494DF}">
-              <a14:hiddenLine xmlns="" xmlns:a14="http://schemas.microsoft.com/office/drawing/2010/main" w="9525">
+              <a14:hiddenLine xmlns:a14="http://schemas.microsoft.com/office/drawing/2010/main" xmlns="" w="9525">
                 <a:solidFill>
                   <a:schemeClr val="tx1"/>
                 </a:solidFill>
@@ -14459,9 +14459,16 @@
           <a:p>
             <a:pPr algn="ctr"/>
             <a:r>
-              <a:rPr lang="en-ZA" sz="1600" dirty="0"/>
-              <a:t>Create | Evolve | Perfect </a:t>
-            </a:r>
+              <a:rPr lang="en-ZA" sz="1600" b="0" i="0">
+                <a:solidFill>
+                  <a:srgbClr val="000000"/>
+                </a:solidFill>
+                <a:effectLst/>
+                <a:latin typeface="Open Sans"/>
+              </a:rPr>
+              <a:t>Knowledge | Experience | Results</a:t>
+            </a:r>
+            <a:endParaRPr lang="en-ZA" sz="1600" dirty="0"/>
           </a:p>
         </p:txBody>
       </p:sp>
@@ -16613,6 +16620,15 @@
 </file>
 
 <file path=customXml/item1.xml><?xml version="1.0" encoding="utf-8"?>
+<?mso-contentType ?>
+<FormTemplates xmlns="http://schemas.microsoft.com/sharepoint/v3/contenttype/forms">
+  <Display>DocumentLibraryForm</Display>
+  <Edit>DocumentLibraryForm</Edit>
+  <New>DocumentLibraryForm</New>
+</FormTemplates>
+</file>
+
+<file path=customXml/item2.xml><?xml version="1.0" encoding="utf-8"?>
 <ct:contentTypeSchema xmlns:ct="http://schemas.microsoft.com/office/2006/metadata/contentType" xmlns:ma="http://schemas.microsoft.com/office/2006/metadata/properties/metaAttributes" ct:_="" ma:_="" ma:contentTypeName="Document" ma:contentTypeID="0x0101001F513751AC33344AB32CFD2920EFE649" ma:contentTypeVersion="11" ma:contentTypeDescription="Create a new document." ma:contentTypeScope="" ma:versionID="683516f7d70434a0e4dbd6c476be8d5b">
   <xsd:schema xmlns:xsd="http://www.w3.org/2001/XMLSchema" xmlns:xs="http://www.w3.org/2001/XMLSchema" xmlns:p="http://schemas.microsoft.com/office/2006/metadata/properties" xmlns:ns2="72e3a154-4955-46c3-9573-e9dec3e1f195" xmlns:ns3="ec500478-62e0-46fc-87f1-cfa988e486b4" targetNamespace="http://schemas.microsoft.com/office/2006/metadata/properties" ma:root="true" ma:fieldsID="cf4a15c6a1eec5dbba94230cc6a50510" ns2:_="" ns3:_="">
     <xsd:import namespace="72e3a154-4955-46c3-9573-e9dec3e1f195"/>
@@ -16823,15 +16839,6 @@
 </ct:contentTypeSchema>
 </file>
 
-<file path=customXml/item2.xml><?xml version="1.0" encoding="utf-8"?>
-<?mso-contentType ?>
-<FormTemplates xmlns="http://schemas.microsoft.com/sharepoint/v3/contenttype/forms">
-  <Display>DocumentLibraryForm</Display>
-  <Edit>DocumentLibraryForm</Edit>
-  <New>DocumentLibraryForm</New>
-</FormTemplates>
-</file>
-
 <file path=customXml/item3.xml><?xml version="1.0" encoding="utf-8"?>
 <p:properties xmlns:p="http://schemas.microsoft.com/office/2006/metadata/properties" xmlns:xsi="http://www.w3.org/2001/XMLSchema-instance" xmlns:pc="http://schemas.microsoft.com/office/infopath/2007/PartnerControls">
   <documentManagement/>
@@ -16839,6 +16846,14 @@
 </file>
 
 <file path=customXml/itemProps1.xml><?xml version="1.0" encoding="utf-8"?>
+<ds:datastoreItem xmlns:ds="http://schemas.openxmlformats.org/officeDocument/2006/customXml" ds:itemID="{B8B49826-D5EE-4D24-B649-7C3A19B527D2}">
+  <ds:schemaRefs>
+    <ds:schemaRef ds:uri="http://schemas.microsoft.com/sharepoint/v3/contenttype/forms"/>
+  </ds:schemaRefs>
+</ds:datastoreItem>
+</file>
+
+<file path=customXml/itemProps2.xml><?xml version="1.0" encoding="utf-8"?>
 <ds:datastoreItem xmlns:ds="http://schemas.openxmlformats.org/officeDocument/2006/customXml" ds:itemID="{AD6DDA88-99C8-47A0-BFFC-3F4677CE5092}">
   <ds:schemaRefs>
     <ds:schemaRef ds:uri="http://schemas.microsoft.com/office/2006/metadata/contentType"/>
@@ -16857,14 +16872,6 @@
 </ds:datastoreItem>
 </file>
 
-<file path=customXml/itemProps2.xml><?xml version="1.0" encoding="utf-8"?>
-<ds:datastoreItem xmlns:ds="http://schemas.openxmlformats.org/officeDocument/2006/customXml" ds:itemID="{B8B49826-D5EE-4D24-B649-7C3A19B527D2}">
-  <ds:schemaRefs>
-    <ds:schemaRef ds:uri="http://schemas.microsoft.com/sharepoint/v3/contenttype/forms"/>
-  </ds:schemaRefs>
-</ds:datastoreItem>
-</file>
-
 <file path=customXml/itemProps3.xml><?xml version="1.0" encoding="utf-8"?>
 <ds:datastoreItem xmlns:ds="http://schemas.openxmlformats.org/officeDocument/2006/customXml" ds:itemID="{5F07B0D7-F930-4230-933E-ABA84959494E}">
   <ds:schemaRefs>
